--- a/Présentation.pptx
+++ b/Présentation.pptx
@@ -213,7 +213,7 @@
           <a:p>
             <a:fld id="{C2DC050B-F11A-4E34-B20E-8A51C31B940F}" type="datetimeFigureOut">
               <a:rPr lang="fr-FR" smtClean="0"/>
-              <a:t>05/08/2022</a:t>
+              <a:t>10/10/2022</a:t>
             </a:fld>
             <a:endParaRPr lang="fr-FR"/>
           </a:p>
@@ -711,7 +711,7 @@
           <a:p>
             <a:fld id="{6A1EFD39-ABDA-4268-892A-2F42AB73B6DD}" type="datetimeFigureOut">
               <a:rPr lang="fr-FR" smtClean="0"/>
-              <a:t>04/08/2022</a:t>
+              <a:t>10/10/2022</a:t>
             </a:fld>
             <a:endParaRPr lang="fr-FR"/>
           </a:p>
@@ -909,7 +909,7 @@
           <a:p>
             <a:fld id="{6A1EFD39-ABDA-4268-892A-2F42AB73B6DD}" type="datetimeFigureOut">
               <a:rPr lang="fr-FR" smtClean="0"/>
-              <a:t>04/08/2022</a:t>
+              <a:t>10/10/2022</a:t>
             </a:fld>
             <a:endParaRPr lang="fr-FR"/>
           </a:p>
@@ -1117,7 +1117,7 @@
           <a:p>
             <a:fld id="{6A1EFD39-ABDA-4268-892A-2F42AB73B6DD}" type="datetimeFigureOut">
               <a:rPr lang="fr-FR" smtClean="0"/>
-              <a:t>04/08/2022</a:t>
+              <a:t>10/10/2022</a:t>
             </a:fld>
             <a:endParaRPr lang="fr-FR"/>
           </a:p>
@@ -1315,7 +1315,7 @@
           <a:p>
             <a:fld id="{6A1EFD39-ABDA-4268-892A-2F42AB73B6DD}" type="datetimeFigureOut">
               <a:rPr lang="fr-FR" smtClean="0"/>
-              <a:t>04/08/2022</a:t>
+              <a:t>10/10/2022</a:t>
             </a:fld>
             <a:endParaRPr lang="fr-FR"/>
           </a:p>
@@ -1590,7 +1590,7 @@
           <a:p>
             <a:fld id="{6A1EFD39-ABDA-4268-892A-2F42AB73B6DD}" type="datetimeFigureOut">
               <a:rPr lang="fr-FR" smtClean="0"/>
-              <a:t>04/08/2022</a:t>
+              <a:t>10/10/2022</a:t>
             </a:fld>
             <a:endParaRPr lang="fr-FR"/>
           </a:p>
@@ -1855,7 +1855,7 @@
           <a:p>
             <a:fld id="{6A1EFD39-ABDA-4268-892A-2F42AB73B6DD}" type="datetimeFigureOut">
               <a:rPr lang="fr-FR" smtClean="0"/>
-              <a:t>04/08/2022</a:t>
+              <a:t>10/10/2022</a:t>
             </a:fld>
             <a:endParaRPr lang="fr-FR"/>
           </a:p>
@@ -2267,7 +2267,7 @@
           <a:p>
             <a:fld id="{6A1EFD39-ABDA-4268-892A-2F42AB73B6DD}" type="datetimeFigureOut">
               <a:rPr lang="fr-FR" smtClean="0"/>
-              <a:t>04/08/2022</a:t>
+              <a:t>10/10/2022</a:t>
             </a:fld>
             <a:endParaRPr lang="fr-FR"/>
           </a:p>
@@ -2408,7 +2408,7 @@
           <a:p>
             <a:fld id="{6A1EFD39-ABDA-4268-892A-2F42AB73B6DD}" type="datetimeFigureOut">
               <a:rPr lang="fr-FR" smtClean="0"/>
-              <a:t>04/08/2022</a:t>
+              <a:t>10/10/2022</a:t>
             </a:fld>
             <a:endParaRPr lang="fr-FR"/>
           </a:p>
@@ -2521,7 +2521,7 @@
           <a:p>
             <a:fld id="{6A1EFD39-ABDA-4268-892A-2F42AB73B6DD}" type="datetimeFigureOut">
               <a:rPr lang="fr-FR" smtClean="0"/>
-              <a:t>04/08/2022</a:t>
+              <a:t>10/10/2022</a:t>
             </a:fld>
             <a:endParaRPr lang="fr-FR"/>
           </a:p>
@@ -2832,7 +2832,7 @@
           <a:p>
             <a:fld id="{6A1EFD39-ABDA-4268-892A-2F42AB73B6DD}" type="datetimeFigureOut">
               <a:rPr lang="fr-FR" smtClean="0"/>
-              <a:t>04/08/2022</a:t>
+              <a:t>10/10/2022</a:t>
             </a:fld>
             <a:endParaRPr lang="fr-FR"/>
           </a:p>
@@ -3120,7 +3120,7 @@
           <a:p>
             <a:fld id="{6A1EFD39-ABDA-4268-892A-2F42AB73B6DD}" type="datetimeFigureOut">
               <a:rPr lang="fr-FR" smtClean="0"/>
-              <a:t>04/08/2022</a:t>
+              <a:t>10/10/2022</a:t>
             </a:fld>
             <a:endParaRPr lang="fr-FR"/>
           </a:p>
@@ -3361,7 +3361,7 @@
           <a:p>
             <a:fld id="{6A1EFD39-ABDA-4268-892A-2F42AB73B6DD}" type="datetimeFigureOut">
               <a:rPr lang="fr-FR" smtClean="0"/>
-              <a:t>04/08/2022</a:t>
+              <a:t>10/10/2022</a:t>
             </a:fld>
             <a:endParaRPr lang="fr-FR"/>
           </a:p>
@@ -4275,78 +4275,84 @@
         <p:spPr>
           <a:xfrm>
             <a:off x="461639" y="1233996"/>
-            <a:ext cx="5122415" cy="4596738"/>
+            <a:ext cx="11496582" cy="5317724"/>
           </a:xfrm>
         </p:spPr>
         <p:txBody>
           <a:bodyPr>
-            <a:normAutofit fontScale="92500" lnSpcReduction="20000"/>
+            <a:normAutofit fontScale="92500" lnSpcReduction="10000"/>
           </a:bodyPr>
           <a:lstStyle/>
           <a:p>
             <a:r>
               <a:rPr lang="fr-FR" dirty="0"/>
-              <a:t>Utilisateur</a:t>
+              <a:t>Utilisateur 		-&gt; Création, Modifications, désactivation, liste</a:t>
             </a:r>
           </a:p>
           <a:p>
             <a:r>
               <a:rPr lang="fr-FR" dirty="0"/>
-              <a:t>Organisation</a:t>
+              <a:t>Organisation 	-&gt; Création, Modifications, désactivation, liste</a:t>
             </a:r>
           </a:p>
           <a:p>
             <a:r>
               <a:rPr lang="fr-FR" dirty="0"/>
-              <a:t>Service</a:t>
+              <a:t>Service 		-&gt; Création, Modifications, désactivation, liste</a:t>
             </a:r>
           </a:p>
           <a:p>
             <a:r>
               <a:rPr lang="fr-FR" dirty="0"/>
-              <a:t>Atelier</a:t>
+              <a:t>Atelier 		-&gt; Création, Modifications, désactivation, liste</a:t>
             </a:r>
           </a:p>
           <a:p>
             <a:r>
               <a:rPr lang="fr-FR" dirty="0"/>
-              <a:t>Machine</a:t>
+              <a:t>Machine 		-&gt; Création, Modifications, désactivation, liste</a:t>
             </a:r>
           </a:p>
           <a:p>
             <a:r>
               <a:rPr lang="fr-FR" dirty="0"/>
-              <a:t>Pièce détachée</a:t>
+              <a:t>Pièce détachée 	-&gt; Création, Modifications, désactivation, liste</a:t>
             </a:r>
           </a:p>
           <a:p>
             <a:r>
               <a:rPr lang="fr-FR" dirty="0"/>
-              <a:t>Bon de travail</a:t>
+              <a:t>Stock 		-&gt; Gestion du stock, pièces en réappro</a:t>
             </a:r>
           </a:p>
           <a:p>
             <a:r>
               <a:rPr lang="fr-FR" dirty="0"/>
-              <a:t>Bon de livraison</a:t>
+              <a:t>Bon de travail 	-&gt; Création, Modifications, désactivation, liste</a:t>
             </a:r>
           </a:p>
           <a:p>
             <a:r>
               <a:rPr lang="fr-FR" dirty="0"/>
-              <a:t>Message</a:t>
+              <a:t>Bon de livraison 	-&gt; Création, Modifications, désactivation, liste</a:t>
             </a:r>
           </a:p>
           <a:p>
             <a:r>
               <a:rPr lang="fr-FR" dirty="0"/>
-              <a:t>Astreinte</a:t>
+              <a:t>Messagerie 	-&gt; Réception, émission de messages à un ou tous les utilisateurs</a:t>
             </a:r>
           </a:p>
           <a:p>
             <a:r>
               <a:rPr lang="fr-FR" dirty="0"/>
-              <a:t>Fournisseur</a:t>
+              <a:t>Astreinte 		-&gt; Création, Modifications, liste</a:t>
+            </a:r>
+          </a:p>
+          <a:p>
+            <a:r>
+              <a:rPr lang="fr-FR" dirty="0"/>
+              <a:t>Fournisseur 	-&gt; Création, Modifications, désactivation, liste</a:t>
             </a:r>
           </a:p>
           <a:p>
@@ -4484,12 +4490,12 @@
         <p:spPr>
           <a:xfrm>
             <a:off x="461639" y="1340528"/>
-            <a:ext cx="10635448" cy="4596738"/>
+            <a:ext cx="10635448" cy="4962618"/>
           </a:xfrm>
         </p:spPr>
         <p:txBody>
           <a:bodyPr>
-            <a:normAutofit/>
+            <a:normAutofit fontScale="92500" lnSpcReduction="10000"/>
           </a:bodyPr>
           <a:lstStyle/>
           <a:p>
@@ -4544,6 +4550,18 @@
             <a:r>
               <a:rPr lang="fr-FR" dirty="0"/>
               <a:t>Edition d’étiquettes</a:t>
+            </a:r>
+          </a:p>
+          <a:p>
+            <a:r>
+              <a:rPr lang="fr-FR" dirty="0"/>
+              <a:t>Stock : Gestion réappro</a:t>
+            </a:r>
+          </a:p>
+          <a:p>
+            <a:r>
+              <a:rPr lang="fr-FR" dirty="0"/>
+              <a:t>Bon de livraison : Création </a:t>
             </a:r>
           </a:p>
           <a:p>
@@ -4603,7 +4621,7 @@
                 </a:solidFill>
                 <a:latin typeface="Arial Rounded MT Bold" panose="020F0704030504030204" pitchFamily="34" charset="0"/>
               </a:rPr>
-              <a:t>Côté utilisateur simple</a:t>
+              <a:t>Utilisateur…</a:t>
             </a:r>
           </a:p>
         </p:txBody>
@@ -4636,7 +4654,7 @@
         </p:blipFill>
         <p:spPr>
           <a:xfrm>
-            <a:off x="9871461" y="5769500"/>
+            <a:off x="9409822" y="5408790"/>
             <a:ext cx="2320539" cy="1088500"/>
           </a:xfrm>
           <a:prstGeom prst="rect">
@@ -4740,7 +4758,15 @@
           <a:p>
             <a:r>
               <a:rPr lang="fr-FR" dirty="0"/>
-              <a:t>Stock : infos valeur, évolution</a:t>
+              <a:t>Stock : infos valeur </a:t>
+            </a:r>
+            <a:r>
+              <a:rPr lang="fr-FR" dirty="0" err="1"/>
+              <a:t>instantannée</a:t>
+            </a:r>
+            <a:r>
+              <a:rPr lang="fr-FR" dirty="0"/>
+              <a:t>, évolution</a:t>
             </a:r>
           </a:p>
           <a:p>
@@ -4942,7 +4968,7 @@
             </a:pPr>
             <a:r>
               <a:rPr lang="fr-FR" sz="2400" dirty="0"/>
-              <a:t>Gestion des utilisateurs : Le pack Security de Symfony assure la gestion des utilisateurs (authentification, connexion, déconnexion, contrôle des accès aux méthodes,…)</a:t>
+              <a:t>Gestion des utilisateurs : Symfony assure la gestion des utilisateurs (authentification, connexion, déconnexion, contrôle des accès aux fonctionnalités,…).</a:t>
             </a:r>
           </a:p>
           <a:p>
@@ -4952,7 +4978,7 @@
             </a:pPr>
             <a:r>
               <a:rPr lang="fr-FR" sz="2400" dirty="0"/>
-              <a:t>Contrôle des entrées : Filtrage des inputs de formulaires par les contraintes dans la classe de l’entité.</a:t>
+              <a:t>Contrôle des entrées : Filtrage des entrées de formulaires par des contraintes.</a:t>
             </a:r>
           </a:p>
           <a:p>
@@ -4998,7 +5024,7 @@
             </a:pPr>
             <a:r>
               <a:rPr lang="fr-FR" sz="2400" dirty="0"/>
-              <a:t>Injection SQL : Les requêtes sont construites avec Doctrine et utilisent des paramètres séparés</a:t>
+              <a:t>Injection SQL : Les requêtes sont construites avec Doctrine et utilisent des paramètres séparés.</a:t>
             </a:r>
           </a:p>
           <a:p>
@@ -5044,7 +5070,7 @@
         </p:blipFill>
         <p:spPr>
           <a:xfrm>
-            <a:off x="9871461" y="5769500"/>
+            <a:off x="9480844" y="5432148"/>
             <a:ext cx="2320539" cy="1088500"/>
           </a:xfrm>
           <a:prstGeom prst="rect">
@@ -5143,7 +5169,7 @@
         <p:spPr>
           <a:xfrm>
             <a:off x="270588" y="1110342"/>
-            <a:ext cx="10095722" cy="5010540"/>
+            <a:ext cx="10095722" cy="5419532"/>
           </a:xfrm>
         </p:spPr>
         <p:txBody>
@@ -5230,6 +5256,7 @@
               <a:rPr lang="fr-FR" sz="2400" dirty="0"/>
               <a:t>Les administrateurs ont les mêmes droits que les utilisateurs avec en plus :</a:t>
             </a:r>
+            <a:endParaRPr lang="fr-FR" sz="2000" dirty="0"/>
           </a:p>
           <a:p>
             <a:pPr lvl="1">
@@ -5237,7 +5264,7 @@
               <a:buChar char="Ø"/>
             </a:pPr>
             <a:r>
-              <a:rPr lang="fr-FR" dirty="0"/>
+              <a:rPr lang="fr-FR" sz="2000" dirty="0"/>
               <a:t>La gestion des utilisateurs</a:t>
             </a:r>
           </a:p>
@@ -5247,7 +5274,7 @@
               <a:buChar char="Ø"/>
             </a:pPr>
             <a:r>
-              <a:rPr lang="fr-FR" dirty="0"/>
+              <a:rPr lang="fr-FR" sz="2000" dirty="0"/>
               <a:t>Gestion des ateliers</a:t>
             </a:r>
           </a:p>
@@ -5257,9 +5284,10 @@
               <a:buChar char="Ø"/>
             </a:pPr>
             <a:r>
-              <a:rPr lang="fr-FR" dirty="0"/>
+              <a:rPr lang="fr-FR" sz="2000" dirty="0"/>
               <a:t>Etc…</a:t>
             </a:r>
+            <a:endParaRPr lang="fr-FR" dirty="0"/>
           </a:p>
           <a:p>
             <a:pPr lvl="1">
@@ -5728,13 +5756,13 @@
         </p:nvSpPr>
         <p:spPr>
           <a:xfrm>
-            <a:off x="677333" y="893323"/>
-            <a:ext cx="5980919" cy="724678"/>
+            <a:off x="677333" y="519508"/>
+            <a:ext cx="10508531" cy="724678"/>
           </a:xfrm>
         </p:spPr>
         <p:txBody>
           <a:bodyPr>
-            <a:normAutofit fontScale="90000"/>
+            <a:normAutofit/>
           </a:bodyPr>
           <a:lstStyle/>
           <a:p>
@@ -5758,7 +5786,7 @@
                 </a:solidFill>
                 <a:latin typeface="Arial Rounded MT Bold" panose="020F0704030504030204" pitchFamily="34" charset="0"/>
               </a:rPr>
-              <a:t> : Points positifs</a:t>
+              <a:t> : Principaux Points positifs</a:t>
             </a:r>
           </a:p>
         </p:txBody>
@@ -5781,7 +5809,7 @@
         </p:nvSpPr>
         <p:spPr>
           <a:xfrm>
-            <a:off x="677333" y="1741262"/>
+            <a:off x="677333" y="1492687"/>
             <a:ext cx="10694961" cy="4410964"/>
           </a:xfrm>
         </p:spPr>
@@ -5798,7 +5826,7 @@
             </a:pPr>
             <a:r>
               <a:rPr lang="fr-FR" sz="2000" dirty="0"/>
-              <a:t>Très grande modularité (paramétrage)</a:t>
+              <a:t>Très nombreuses fonctionnalités (paramétrage)</a:t>
             </a:r>
             <a:endParaRPr lang="fr-FR" dirty="0"/>
           </a:p>
@@ -5843,7 +5871,7 @@
             </a:pPr>
             <a:r>
               <a:rPr lang="fr-FR" sz="2000" dirty="0"/>
-              <a:t>Multisites</a:t>
+              <a:t>Multisites (W1, W2, OB,…)</a:t>
             </a:r>
           </a:p>
           <a:p>
@@ -6002,7 +6030,7 @@
         </p:spPr>
         <p:txBody>
           <a:bodyPr>
-            <a:normAutofit lnSpcReduction="10000"/>
+            <a:normAutofit fontScale="92500"/>
           </a:bodyPr>
           <a:lstStyle/>
           <a:p>
@@ -6013,7 +6041,7 @@
             </a:pPr>
             <a:r>
               <a:rPr lang="fr-FR" sz="2000" b="1" dirty="0"/>
-              <a:t>Inexploitable car n’ayant pas de base de données correspondante pas au site de Reichstett.</a:t>
+              <a:t>Inexploitable aujourd’hui car n’ayant pas de base de données correspondante pas au site de Reichstett.</a:t>
             </a:r>
           </a:p>
           <a:p>
@@ -6068,7 +6096,7 @@
             </a:pPr>
             <a:r>
               <a:rPr lang="fr-FR" sz="2000" dirty="0"/>
-              <a:t>Utilisation uniquement sur écran PC</a:t>
+              <a:t>Utilisation uniquement sur écran PC (pas smartphone)</a:t>
             </a:r>
           </a:p>
           <a:p>
@@ -6112,7 +6140,7 @@
             </a:pPr>
             <a:r>
               <a:rPr lang="fr-FR" sz="2000" dirty="0"/>
-              <a:t>…</a:t>
+              <a:t>Développé pour un maximum de cas d’utilisation</a:t>
             </a:r>
           </a:p>
           <a:p>
@@ -6210,12 +6238,12 @@
         <p:spPr>
           <a:xfrm>
             <a:off x="544168" y="263008"/>
-            <a:ext cx="8360135" cy="724678"/>
+            <a:ext cx="9025960" cy="724678"/>
           </a:xfrm>
         </p:spPr>
         <p:txBody>
           <a:bodyPr>
-            <a:normAutofit/>
+            <a:normAutofit fontScale="90000"/>
           </a:bodyPr>
           <a:lstStyle/>
           <a:p>
@@ -6228,7 +6256,7 @@
                 </a:solidFill>
                 <a:latin typeface="Arial Rounded MT Bold" panose="020F0704030504030204" pitchFamily="34" charset="0"/>
               </a:rPr>
-              <a:t>GMAOPS </a:t>
+              <a:t>GMAOPS Principaux p</a:t>
             </a:r>
             <a:r>
               <a:rPr lang="fr-FR" dirty="0">
@@ -6239,7 +6267,7 @@
                 </a:solidFill>
                 <a:latin typeface="Arial Rounded MT Bold" panose="020F0704030504030204" pitchFamily="34" charset="0"/>
               </a:rPr>
-              <a:t>Points positifs </a:t>
+              <a:t>oints positifs </a:t>
             </a:r>
           </a:p>
         </p:txBody>
@@ -6263,12 +6291,12 @@
         <p:spPr>
           <a:xfrm>
             <a:off x="544168" y="987686"/>
-            <a:ext cx="10694961" cy="5430869"/>
+            <a:ext cx="11263133" cy="5430869"/>
           </a:xfrm>
         </p:spPr>
         <p:txBody>
           <a:bodyPr>
-            <a:normAutofit/>
+            <a:normAutofit lnSpcReduction="10000"/>
           </a:bodyPr>
           <a:lstStyle/>
           <a:p>
@@ -6301,7 +6329,7 @@
             </a:pPr>
             <a:r>
               <a:rPr lang="fr-FR" sz="2400" dirty="0"/>
-              <a:t>Personnalisée selon le technicien connecté</a:t>
+              <a:t>Personnalisée selon le site du technicien connecté</a:t>
             </a:r>
           </a:p>
           <a:p>
@@ -6345,7 +6373,7 @@
             </a:pPr>
             <a:r>
               <a:rPr lang="fr-FR" sz="2400" dirty="0"/>
-              <a:t>Codes sources compris dans l’acquisition de l’application donc utilisables et modifiables</a:t>
+              <a:t>Codes sources compris dans l’acquisition de l’application donc utilisables et modifiables par n’importe quelle entreprise de développement</a:t>
             </a:r>
           </a:p>
           <a:p>
@@ -6357,6 +6385,17 @@
             <a:r>
               <a:rPr lang="fr-FR" sz="2400" dirty="0"/>
               <a:t>Application sous la forme d’un site internet utilisable en interne comme en externe</a:t>
+            </a:r>
+          </a:p>
+          <a:p>
+            <a:pPr>
+              <a:lnSpc>
+                <a:spcPct val="120000"/>
+              </a:lnSpc>
+            </a:pPr>
+            <a:r>
+              <a:rPr lang="fr-FR" sz="2400" dirty="0"/>
+              <a:t>Ajout de fonctionnalités aisé et peu couteux</a:t>
             </a:r>
           </a:p>
           <a:p>
@@ -6538,7 +6577,7 @@
             </a:pPr>
             <a:r>
               <a:rPr lang="fr-FR" sz="2400" dirty="0"/>
-              <a:t>Sauvegardes manuelles</a:t>
+              <a:t>Développement rapide, peut encore contenir des bugs</a:t>
             </a:r>
           </a:p>
           <a:p>
@@ -6549,7 +6588,7 @@
             </a:pPr>
             <a:r>
               <a:rPr lang="fr-FR" sz="2400" dirty="0"/>
-              <a:t>Développement rapide, peut encore contenir des défauts</a:t>
+              <a:t>Fonctionnalités réduites mais restantes à compléter</a:t>
             </a:r>
           </a:p>
           <a:p>
@@ -6892,7 +6931,7 @@
             </a:pPr>
             <a:r>
               <a:rPr lang="fr-FR" sz="2400" dirty="0"/>
-              <a:t>Framework d’affichage : Bootstrap</a:t>
+              <a:t>Framework d’affichage : Bootstrap V5.1</a:t>
             </a:r>
           </a:p>
           <a:p>
@@ -6978,7 +7017,7 @@
             </a:pPr>
             <a:r>
               <a:rPr lang="fr-FR" sz="2000" dirty="0"/>
-              <a:t>Mailer 		(email)</a:t>
+              <a:t>Mailer 		(Email)</a:t>
             </a:r>
           </a:p>
           <a:p>
@@ -6993,7 +7032,7 @@
             </a:r>
             <a:r>
               <a:rPr lang="fr-FR" sz="2000" dirty="0"/>
-              <a:t>-uploader 		(téléchargement d’images)</a:t>
+              <a:t>-uploader 		(Téléchargement d’images)</a:t>
             </a:r>
           </a:p>
           <a:p>
@@ -7008,7 +7047,7 @@
             </a:r>
             <a:r>
               <a:rPr lang="fr-FR" sz="2000" dirty="0"/>
-              <a:t>- encore 	(gestion fichiers CSS)</a:t>
+              <a:t>- encore 	(Gestion fichiers CSS, images, etc…)</a:t>
             </a:r>
           </a:p>
           <a:p>
@@ -7023,7 +7062,15 @@
             </a:r>
             <a:r>
               <a:rPr lang="fr-FR" sz="2000" dirty="0"/>
-              <a:t>		(production documents)</a:t>
+              <a:t>		(production documents en </a:t>
+            </a:r>
+            <a:r>
+              <a:rPr lang="fr-FR" sz="2000" dirty="0" err="1"/>
+              <a:t>pdf</a:t>
+            </a:r>
+            <a:r>
+              <a:rPr lang="fr-FR" sz="2000" dirty="0"/>
+              <a:t>)</a:t>
             </a:r>
           </a:p>
           <a:p>
